--- a/ESSGM Bologna 2023 presentation.pptx
+++ b/ESSGM Bologna 2023 presentation.pptx
@@ -370,7 +370,7 @@
             <a:pPr indent="0" algn="r">
               <a:buNone/>
             </a:pPr>
-            <a:fld id="{10CAC4D6-2A39-46E8-BED2-0E8FFD6880B6}" type="slidenum">
+            <a:fld id="{848B6B23-229F-47FE-8034-0D21A8135EAA}" type="slidenum">
               <a:rPr b="0" lang="en-GB" sz="1400" spc="-1" strike="noStrike">
                 <a:solidFill>
                   <a:srgbClr val="000000"/>
@@ -528,7 +528,7 @@
                 <a:tab algn="l" pos="0"/>
               </a:tabLst>
             </a:pPr>
-            <a:fld id="{588F6DA9-2096-4C03-85C0-35F12774DECD}" type="slidenum">
+            <a:fld id="{314D908D-C808-4EE7-AF73-13FD41CF0B21}" type="slidenum">
               <a:rPr b="0" lang="en-GB" sz="1200" spc="-1" strike="noStrike">
                 <a:solidFill>
                   <a:srgbClr val="000000"/>
@@ -685,7 +685,7 @@
                 <a:tab algn="l" pos="0"/>
               </a:tabLst>
             </a:pPr>
-            <a:fld id="{85BA8B2E-DF70-42AF-B33D-762DB9E96D08}" type="slidenum">
+            <a:fld id="{346124F8-7F61-45BE-9F7F-0CE7FF61BBD8}" type="slidenum">
               <a:rPr b="0" lang="en-GB" sz="1200" spc="-1" strike="noStrike">
                 <a:solidFill>
                   <a:srgbClr val="000000"/>
@@ -842,7 +842,7 @@
                 <a:tab algn="l" pos="0"/>
               </a:tabLst>
             </a:pPr>
-            <a:fld id="{D81735C7-17BB-4BD0-81C4-A17BBB377026}" type="slidenum">
+            <a:fld id="{7A3F3736-CD9E-4977-B565-F503D226D082}" type="slidenum">
               <a:rPr b="0" lang="en-GB" sz="1200" spc="-1" strike="noStrike">
                 <a:solidFill>
                   <a:srgbClr val="000000"/>
@@ -916,7 +916,7 @@
         <p:txBody>
           <a:bodyPr/>
           <a:p>
-            <a:fld id="{6155808D-22D6-49A1-8642-C92C7C3713E7}" type="slidenum">
+            <a:fld id="{648414F7-7253-4AD7-B4D9-EB5521211630}" type="slidenum">
               <a:t>&lt;#&gt;</a:t>
             </a:fld>
           </a:p>
@@ -1125,7 +1125,7 @@
         <p:txBody>
           <a:bodyPr/>
           <a:p>
-            <a:fld id="{D9D05728-B6C0-47F3-9CFB-7831BA6D0569}" type="slidenum">
+            <a:fld id="{6448FBE0-63C6-47FF-9D37-56EAB3922E40}" type="slidenum">
               <a:t>&lt;#&gt;</a:t>
             </a:fld>
           </a:p>
@@ -1420,7 +1420,7 @@
         <p:txBody>
           <a:bodyPr/>
           <a:p>
-            <a:fld id="{EA53D0A2-10A7-4831-B076-C75DE39EC82D}" type="slidenum">
+            <a:fld id="{29444322-190F-4623-BDDB-FB829D17EE3A}" type="slidenum">
               <a:t>&lt;#&gt;</a:t>
             </a:fld>
           </a:p>
@@ -1801,7 +1801,7 @@
         <p:txBody>
           <a:bodyPr/>
           <a:p>
-            <a:fld id="{CEB781B0-5A76-492A-A9FD-DED06BFBDC01}" type="slidenum">
+            <a:fld id="{621C705F-2065-4B5E-9EAC-9AFDCB5C42C6}" type="slidenum">
               <a:t>&lt;#&gt;</a:t>
             </a:fld>
           </a:p>
@@ -1884,7 +1884,7 @@
         <p:txBody>
           <a:bodyPr/>
           <a:p>
-            <a:fld id="{B5C9E580-741A-4AD6-B226-D3D2AD265BF1}" type="slidenum">
+            <a:fld id="{39ACCD0C-400F-48D5-8F02-4AF486F576CB}" type="slidenum">
               <a:t>&lt;#&gt;</a:t>
             </a:fld>
           </a:p>
@@ -2047,7 +2047,7 @@
         <p:txBody>
           <a:bodyPr/>
           <a:p>
-            <a:fld id="{B805A47D-C825-41BC-ACE1-F48D0BB0E8C1}" type="slidenum">
+            <a:fld id="{7C6258AB-AEE1-4455-92F0-7CDDFDC6EEB1}" type="slidenum">
               <a:t>&lt;#&gt;</a:t>
             </a:fld>
           </a:p>
@@ -2213,7 +2213,7 @@
         <p:txBody>
           <a:bodyPr/>
           <a:p>
-            <a:fld id="{80BF6348-5573-4608-9EFE-F63F146CE309}" type="slidenum">
+            <a:fld id="{21E6F352-902A-4679-AD5F-4678BAFE8FE0}" type="slidenum">
               <a:t>&lt;#&gt;</a:t>
             </a:fld>
           </a:p>
@@ -2422,7 +2422,7 @@
         <p:txBody>
           <a:bodyPr/>
           <a:p>
-            <a:fld id="{8C2CC238-174A-4A26-9B0D-037D631B2FBD}" type="slidenum">
+            <a:fld id="{2D43E04C-BC68-467C-A2FC-68B5157CF4FF}" type="slidenum">
               <a:t>&lt;#&gt;</a:t>
             </a:fld>
           </a:p>
@@ -2545,7 +2545,7 @@
         <p:txBody>
           <a:bodyPr/>
           <a:p>
-            <a:fld id="{3E238F4D-9886-47B7-8C96-AC460D684A7D}" type="slidenum">
+            <a:fld id="{5C76A06E-952E-450D-A6C3-751BFE2FC5A2}" type="slidenum">
               <a:t>&lt;#&gt;</a:t>
             </a:fld>
           </a:p>
@@ -2666,7 +2666,7 @@
         <p:txBody>
           <a:bodyPr/>
           <a:p>
-            <a:fld id="{3EC55D80-EA4F-470F-A9F6-C8D4EF3A1121}" type="slidenum">
+            <a:fld id="{769B417F-E0C8-450B-8E91-1530FACE846E}" type="slidenum">
               <a:t>&lt;#&gt;</a:t>
             </a:fld>
           </a:p>
@@ -2918,7 +2918,7 @@
         <p:txBody>
           <a:bodyPr/>
           <a:p>
-            <a:fld id="{38DAC349-3F53-4DF6-A0F6-F0C54EFE9E16}" type="slidenum">
+            <a:fld id="{2D9C42DC-A92E-436A-814E-85F289D4EA5C}" type="slidenum">
               <a:t>&lt;#&gt;</a:t>
             </a:fld>
           </a:p>
@@ -3081,7 +3081,7 @@
         <p:txBody>
           <a:bodyPr/>
           <a:p>
-            <a:fld id="{7428BC04-4005-4E61-BD11-BCDA7808C344}" type="slidenum">
+            <a:fld id="{DEA0E4C4-D9AB-4258-8220-EF028E419D30}" type="slidenum">
               <a:t>&lt;#&gt;</a:t>
             </a:fld>
           </a:p>
@@ -3333,7 +3333,7 @@
         <p:txBody>
           <a:bodyPr/>
           <a:p>
-            <a:fld id="{110E60FA-3D98-4FCE-85C3-2106534AD016}" type="slidenum">
+            <a:fld id="{27E93B0F-A529-4C35-85D9-795BCF13F612}" type="slidenum">
               <a:t>&lt;#&gt;</a:t>
             </a:fld>
           </a:p>
@@ -3585,7 +3585,7 @@
         <p:txBody>
           <a:bodyPr/>
           <a:p>
-            <a:fld id="{C7C67652-5DBA-4C25-9390-EF147651D26E}" type="slidenum">
+            <a:fld id="{6FA6D2C5-6E71-4BF9-A172-942681DE0824}" type="slidenum">
               <a:t>&lt;#&gt;</a:t>
             </a:fld>
           </a:p>
@@ -3794,7 +3794,7 @@
         <p:txBody>
           <a:bodyPr/>
           <a:p>
-            <a:fld id="{0A98747F-25F1-41DB-BC85-C41C68C2804D}" type="slidenum">
+            <a:fld id="{E020A7A8-21A2-458D-BC63-D302B7240533}" type="slidenum">
               <a:t>&lt;#&gt;</a:t>
             </a:fld>
           </a:p>
@@ -4089,7 +4089,7 @@
         <p:txBody>
           <a:bodyPr/>
           <a:p>
-            <a:fld id="{6E03313D-FD2E-430D-AC76-8FF1B61AC986}" type="slidenum">
+            <a:fld id="{3504475C-CEBC-4EE1-BCB0-F98D4188F569}" type="slidenum">
               <a:t>&lt;#&gt;</a:t>
             </a:fld>
           </a:p>
@@ -4470,7 +4470,7 @@
         <p:txBody>
           <a:bodyPr/>
           <a:p>
-            <a:fld id="{630407D6-DA8C-4036-BC5E-868D365FB68B}" type="slidenum">
+            <a:fld id="{A0EDC2DF-4D2F-42AC-858A-A4C574C17D44}" type="slidenum">
               <a:t>&lt;#&gt;</a:t>
             </a:fld>
           </a:p>
@@ -4553,7 +4553,7 @@
         <p:txBody>
           <a:bodyPr/>
           <a:p>
-            <a:fld id="{532BD43C-95BF-46FC-90E9-F6BB69FA441F}" type="slidenum">
+            <a:fld id="{B879C814-B9E4-409B-9076-5AEA71B39BCF}" type="slidenum">
               <a:t>&lt;#&gt;</a:t>
             </a:fld>
           </a:p>
@@ -4716,7 +4716,7 @@
         <p:txBody>
           <a:bodyPr/>
           <a:p>
-            <a:fld id="{6C35F463-5D3B-487A-B647-9B6738412D18}" type="slidenum">
+            <a:fld id="{5D720F3A-2DE9-4926-946A-C4350324DAAB}" type="slidenum">
               <a:t>&lt;#&gt;</a:t>
             </a:fld>
           </a:p>
@@ -4882,7 +4882,7 @@
         <p:txBody>
           <a:bodyPr/>
           <a:p>
-            <a:fld id="{39F3E165-3B8B-4277-8068-CBC2331D095B}" type="slidenum">
+            <a:fld id="{2914D3EA-8538-4565-9E9B-FB62A2B7BE5A}" type="slidenum">
               <a:t>&lt;#&gt;</a:t>
             </a:fld>
           </a:p>
@@ -5091,7 +5091,7 @@
         <p:txBody>
           <a:bodyPr/>
           <a:p>
-            <a:fld id="{BCCE3FF6-4CDD-4CC7-8643-DA411C1CD1AD}" type="slidenum">
+            <a:fld id="{FFF7EC27-1E86-4E02-8283-56C88A710C56}" type="slidenum">
               <a:t>&lt;#&gt;</a:t>
             </a:fld>
           </a:p>
@@ -5214,7 +5214,7 @@
         <p:txBody>
           <a:bodyPr/>
           <a:p>
-            <a:fld id="{C4F70678-6386-4F29-8E9A-9F4B32D725AD}" type="slidenum">
+            <a:fld id="{C64C9495-320D-4998-B072-1081B01C5A56}" type="slidenum">
               <a:t>&lt;#&gt;</a:t>
             </a:fld>
           </a:p>
@@ -5380,7 +5380,7 @@
         <p:txBody>
           <a:bodyPr/>
           <a:p>
-            <a:fld id="{AD7D7681-350A-4D3F-B93C-F39A4E40A684}" type="slidenum">
+            <a:fld id="{1467FB15-01F3-4670-AEBE-C29BDD4A0A95}" type="slidenum">
               <a:t>&lt;#&gt;</a:t>
             </a:fld>
           </a:p>
@@ -5501,7 +5501,7 @@
         <p:txBody>
           <a:bodyPr/>
           <a:p>
-            <a:fld id="{76DA5DB6-6DF2-4714-ACFB-3BB4EEC2575C}" type="slidenum">
+            <a:fld id="{221257DF-9DFF-4CBB-B322-F8290B55FA46}" type="slidenum">
               <a:t>&lt;#&gt;</a:t>
             </a:fld>
           </a:p>
@@ -5753,7 +5753,7 @@
         <p:txBody>
           <a:bodyPr/>
           <a:p>
-            <a:fld id="{231B65E3-8C13-46EA-A4FF-4AF3EE758774}" type="slidenum">
+            <a:fld id="{B6D95CF2-7A48-4D8E-9C23-3041899933F6}" type="slidenum">
               <a:t>&lt;#&gt;</a:t>
             </a:fld>
           </a:p>
@@ -6005,7 +6005,7 @@
         <p:txBody>
           <a:bodyPr/>
           <a:p>
-            <a:fld id="{C12AA97B-DAC9-4D02-8741-43F9C274F2F8}" type="slidenum">
+            <a:fld id="{C8DC9461-36D5-4940-863A-88E30A17298B}" type="slidenum">
               <a:t>&lt;#&gt;</a:t>
             </a:fld>
           </a:p>
@@ -6257,7 +6257,7 @@
         <p:txBody>
           <a:bodyPr/>
           <a:p>
-            <a:fld id="{34414742-A96C-414E-B884-B340C861D7C4}" type="slidenum">
+            <a:fld id="{2F91BC00-394A-450F-ABE8-74511B0AA220}" type="slidenum">
               <a:t>&lt;#&gt;</a:t>
             </a:fld>
           </a:p>
@@ -6466,7 +6466,7 @@
         <p:txBody>
           <a:bodyPr/>
           <a:p>
-            <a:fld id="{A059D4B5-C7F2-4964-9921-9BFB0C5FE9DF}" type="slidenum">
+            <a:fld id="{E02269DD-E16A-412F-9BA2-CBD79F7DFE5D}" type="slidenum">
               <a:t>&lt;#&gt;</a:t>
             </a:fld>
           </a:p>
@@ -6761,7 +6761,7 @@
         <p:txBody>
           <a:bodyPr/>
           <a:p>
-            <a:fld id="{24C24CB6-D111-4794-A822-8A56697A66D6}" type="slidenum">
+            <a:fld id="{16D614B1-399F-440E-BF07-B4A6732FF4A6}" type="slidenum">
               <a:t>&lt;#&gt;</a:t>
             </a:fld>
           </a:p>
@@ -7142,7 +7142,7 @@
         <p:txBody>
           <a:bodyPr/>
           <a:p>
-            <a:fld id="{CB878EB7-8382-446F-907A-231BB9F7C7A9}" type="slidenum">
+            <a:fld id="{B031157E-A2A9-4ADA-85E9-B90550066A92}" type="slidenum">
               <a:t>&lt;#&gt;</a:t>
             </a:fld>
           </a:p>
@@ -7225,7 +7225,7 @@
         <p:txBody>
           <a:bodyPr/>
           <a:p>
-            <a:fld id="{C39E317B-F238-42B9-8429-66808F7F3FD0}" type="slidenum">
+            <a:fld id="{ACB5DB20-2459-4C9C-A75D-226271D9C0A0}" type="slidenum">
               <a:t>&lt;#&gt;</a:t>
             </a:fld>
           </a:p>
@@ -7388,7 +7388,7 @@
         <p:txBody>
           <a:bodyPr/>
           <a:p>
-            <a:fld id="{76D5FF72-5AD9-45FC-81BB-C95856F8764D}" type="slidenum">
+            <a:fld id="{B2FED926-4FC6-4004-A40D-343963F6F6E5}" type="slidenum">
               <a:t>&lt;#&gt;</a:t>
             </a:fld>
           </a:p>
@@ -7554,7 +7554,7 @@
         <p:txBody>
           <a:bodyPr/>
           <a:p>
-            <a:fld id="{9AEC99F3-CFEB-419D-8D24-7E1C81571203}" type="slidenum">
+            <a:fld id="{8107FE9A-770F-45C9-A41F-C8746E1ADB3F}" type="slidenum">
               <a:t>&lt;#&gt;</a:t>
             </a:fld>
           </a:p>
@@ -7763,7 +7763,7 @@
         <p:txBody>
           <a:bodyPr/>
           <a:p>
-            <a:fld id="{14F4B817-E2E7-432E-95E7-6B9C287279C1}" type="slidenum">
+            <a:fld id="{06193CEC-11A8-45A8-90F5-63E9DE068251}" type="slidenum">
               <a:t>&lt;#&gt;</a:t>
             </a:fld>
           </a:p>
@@ -7972,7 +7972,7 @@
         <p:txBody>
           <a:bodyPr/>
           <a:p>
-            <a:fld id="{A973954F-368A-41F1-9AD3-96751216D4FD}" type="slidenum">
+            <a:fld id="{76125759-A6B9-4913-A86F-58D3DF7701E0}" type="slidenum">
               <a:t>&lt;#&gt;</a:t>
             </a:fld>
           </a:p>
@@ -8095,7 +8095,7 @@
         <p:txBody>
           <a:bodyPr/>
           <a:p>
-            <a:fld id="{4694454B-F005-4CB3-8C1B-6E200FE3F8E7}" type="slidenum">
+            <a:fld id="{42A82511-5CD0-40D9-8265-F331D0BFA7C3}" type="slidenum">
               <a:t>&lt;#&gt;</a:t>
             </a:fld>
           </a:p>
@@ -8216,7 +8216,7 @@
         <p:txBody>
           <a:bodyPr/>
           <a:p>
-            <a:fld id="{45A9FA60-D2CD-4859-B113-B30F621452F7}" type="slidenum">
+            <a:fld id="{32AEC6EA-8A60-4D89-A28B-79F8772834A5}" type="slidenum">
               <a:t>&lt;#&gt;</a:t>
             </a:fld>
           </a:p>
@@ -8468,7 +8468,7 @@
         <p:txBody>
           <a:bodyPr/>
           <a:p>
-            <a:fld id="{9F256993-47C8-4F5F-A1BF-23EA1B8F0ECD}" type="slidenum">
+            <a:fld id="{7EAA8E10-3F62-4D1D-81D7-2A1054A96E99}" type="slidenum">
               <a:t>&lt;#&gt;</a:t>
             </a:fld>
           </a:p>
@@ -8720,7 +8720,7 @@
         <p:txBody>
           <a:bodyPr/>
           <a:p>
-            <a:fld id="{384B3781-C017-4562-B971-1B8E6ED78067}" type="slidenum">
+            <a:fld id="{0FB81247-A9D6-4598-AD8D-2EE0633F22F3}" type="slidenum">
               <a:t>&lt;#&gt;</a:t>
             </a:fld>
           </a:p>
@@ -8972,7 +8972,7 @@
         <p:txBody>
           <a:bodyPr/>
           <a:p>
-            <a:fld id="{E35A8725-E755-49D4-8A79-02ADC1848A79}" type="slidenum">
+            <a:fld id="{C1064321-E3D2-4EB0-AE12-F58CA0ACA32B}" type="slidenum">
               <a:t>&lt;#&gt;</a:t>
             </a:fld>
           </a:p>
@@ -9181,7 +9181,7 @@
         <p:txBody>
           <a:bodyPr/>
           <a:p>
-            <a:fld id="{89C6BDD1-A790-42DA-AE7D-A7B5FE5BE7DA}" type="slidenum">
+            <a:fld id="{E9F98D52-8B1F-47F9-8EE2-365C9EBCB5D7}" type="slidenum">
               <a:t>&lt;#&gt;</a:t>
             </a:fld>
           </a:p>
@@ -9476,7 +9476,7 @@
         <p:txBody>
           <a:bodyPr/>
           <a:p>
-            <a:fld id="{D0FD7200-91ED-4689-9836-6BB30E47BB01}" type="slidenum">
+            <a:fld id="{01963FBC-588D-4A3F-9407-36D636366CFC}" type="slidenum">
               <a:t>&lt;#&gt;</a:t>
             </a:fld>
           </a:p>
@@ -9857,7 +9857,7 @@
         <p:txBody>
           <a:bodyPr/>
           <a:p>
-            <a:fld id="{1252DE82-C4FB-43A5-8ECD-C825573AFFF1}" type="slidenum">
+            <a:fld id="{9BFB9D76-88D9-44FE-A4EF-92696B38A597}" type="slidenum">
               <a:t>&lt;#&gt;</a:t>
             </a:fld>
           </a:p>
@@ -9980,7 +9980,7 @@
         <p:txBody>
           <a:bodyPr/>
           <a:p>
-            <a:fld id="{B7BBE506-8903-4559-8BA9-216D4737F12F}" type="slidenum">
+            <a:fld id="{210A7DE0-74AB-4CF0-AEB2-21EB52FA26E0}" type="slidenum">
               <a:t>&lt;#&gt;</a:t>
             </a:fld>
           </a:p>
@@ -10101,7 +10101,7 @@
         <p:txBody>
           <a:bodyPr/>
           <a:p>
-            <a:fld id="{B6D21695-D928-4656-A9EE-24C63EAB4DB9}" type="slidenum">
+            <a:fld id="{7079AACB-F2FE-40B4-90AF-8C684D89673D}" type="slidenum">
               <a:t>&lt;#&gt;</a:t>
             </a:fld>
           </a:p>
@@ -10353,7 +10353,7 @@
         <p:txBody>
           <a:bodyPr/>
           <a:p>
-            <a:fld id="{32263ED4-46AE-43B1-9ADD-5841D7433FB2}" type="slidenum">
+            <a:fld id="{67D7BEED-07CF-431B-B599-99F91EA43AB5}" type="slidenum">
               <a:t>&lt;#&gt;</a:t>
             </a:fld>
           </a:p>
@@ -10605,7 +10605,7 @@
         <p:txBody>
           <a:bodyPr/>
           <a:p>
-            <a:fld id="{19B0615C-A696-4448-ABB7-D66E1C594749}" type="slidenum">
+            <a:fld id="{17D63A03-AC07-4698-9105-1A106B029A63}" type="slidenum">
               <a:t>&lt;#&gt;</a:t>
             </a:fld>
           </a:p>
@@ -10857,7 +10857,7 @@
         <p:txBody>
           <a:bodyPr/>
           <a:p>
-            <a:fld id="{B9CC79AD-59C3-4F53-BDAF-2BB727489D3C}" type="slidenum">
+            <a:fld id="{64816A78-9494-4E37-A49E-5257F1EC2D26}" type="slidenum">
               <a:t>&lt;#&gt;</a:t>
             </a:fld>
           </a:p>
@@ -11023,7 +11023,7 @@
                 </a:solidFill>
                 <a:latin typeface="Times New Roman"/>
               </a:rPr>
-              <a:t> </a:t>
+              <a:t>&lt;footer&gt;</a:t>
             </a:r>
             <a:endParaRPr b="0" lang="en-GB" sz="1400" spc="-1" strike="noStrike">
               <a:solidFill>
@@ -11088,14 +11088,14 @@
                 <a:tab algn="l" pos="0"/>
               </a:tabLst>
             </a:pPr>
-            <a:fld id="{B58AD518-5DD7-4A4E-84CF-953A1B1893D0}" type="slidenum">
+            <a:fld id="{D3507574-49E0-47E0-AE8D-A476060D6CA6}" type="slidenum">
               <a:rPr b="0" lang="en-US" sz="1200" spc="-1" strike="noStrike">
                 <a:solidFill>
                   <a:srgbClr val="ffffff"/>
                 </a:solidFill>
                 <a:latin typeface="Calibri"/>
               </a:rPr>
-              <a:t>22</a:t>
+              <a:t>&lt;number&gt;</a:t>
             </a:fld>
             <a:endParaRPr b="0" lang="en-GB" sz="1200" spc="-1" strike="noStrike">
               <a:solidFill>
@@ -11155,7 +11155,7 @@
                 </a:solidFill>
                 <a:latin typeface="Times New Roman"/>
               </a:rPr>
-              <a:t> </a:t>
+              <a:t>&lt;date/time&gt;</a:t>
             </a:r>
             <a:endParaRPr b="0" lang="en-GB" sz="1400" spc="-1" strike="noStrike">
               <a:solidFill>
@@ -11561,7 +11561,7 @@
                 <a:tab algn="l" pos="0"/>
               </a:tabLst>
             </a:pPr>
-            <a:fld id="{98A6D783-4826-4485-9921-6DBD7C4233E9}" type="slidenum">
+            <a:fld id="{198DA8F8-23E9-447C-92FE-2E97EB4A265B}" type="slidenum">
               <a:rPr b="0" lang="en-US" sz="1200" spc="-1" strike="noStrike">
                 <a:solidFill>
                   <a:srgbClr val="ffffff"/>
@@ -12582,7 +12582,7 @@
                 <a:tab algn="l" pos="0"/>
               </a:tabLst>
             </a:pPr>
-            <a:fld id="{15DCB6A9-4B4C-4FFB-8C37-FD9DA7791503}" type="slidenum">
+            <a:fld id="{00E365C4-9758-4495-8D51-5E9015F7BB49}" type="slidenum">
               <a:rPr b="0" lang="en-US" sz="1200" spc="-1" strike="noStrike">
                 <a:solidFill>
                   <a:srgbClr val="ffffff"/>
@@ -12879,7 +12879,7 @@
                 <a:tab algn="l" pos="0"/>
               </a:tabLst>
             </a:pPr>
-            <a:fld id="{28BF073A-4F92-4F95-ACF0-09A9999D68C9}" type="slidenum">
+            <a:fld id="{5B1E97DB-D097-48B9-B186-3CCB8F0324FF}" type="slidenum">
               <a:rPr b="0" lang="en-US" sz="1200" spc="-1" strike="noStrike">
                 <a:solidFill>
                   <a:srgbClr val="ffffff"/>
@@ -13438,7 +13438,7 @@
                 </a:solidFill>
                 <a:latin typeface="Calibri"/>
               </a:rPr>
-              <a:t>University of East Anglia</a:t>
+              <a:t>Idle Bum</a:t>
             </a:r>
             <a:br>
               <a:rPr sz="2000"/>

--- a/ESSGM Bologna 2023 presentation.pptx
+++ b/ESSGM Bologna 2023 presentation.pptx
@@ -370,7 +370,7 @@
             <a:pPr indent="0" algn="r">
               <a:buNone/>
             </a:pPr>
-            <a:fld id="{848B6B23-229F-47FE-8034-0D21A8135EAA}" type="slidenum">
+            <a:fld id="{CE017825-1965-49DA-9E54-50FAEADEE57B}" type="slidenum">
               <a:rPr b="0" lang="en-GB" sz="1400" spc="-1" strike="noStrike">
                 <a:solidFill>
                   <a:srgbClr val="000000"/>
@@ -528,7 +528,7 @@
                 <a:tab algn="l" pos="0"/>
               </a:tabLst>
             </a:pPr>
-            <a:fld id="{314D908D-C808-4EE7-AF73-13FD41CF0B21}" type="slidenum">
+            <a:fld id="{7A1B0D92-59C6-4772-A675-FAD30CE934E3}" type="slidenum">
               <a:rPr b="0" lang="en-GB" sz="1200" spc="-1" strike="noStrike">
                 <a:solidFill>
                   <a:srgbClr val="000000"/>
@@ -685,7 +685,7 @@
                 <a:tab algn="l" pos="0"/>
               </a:tabLst>
             </a:pPr>
-            <a:fld id="{346124F8-7F61-45BE-9F7F-0CE7FF61BBD8}" type="slidenum">
+            <a:fld id="{0AC3DE2C-5CB5-4027-BBC5-ED686E654406}" type="slidenum">
               <a:rPr b="0" lang="en-GB" sz="1200" spc="-1" strike="noStrike">
                 <a:solidFill>
                   <a:srgbClr val="000000"/>
@@ -842,7 +842,7 @@
                 <a:tab algn="l" pos="0"/>
               </a:tabLst>
             </a:pPr>
-            <a:fld id="{7A3F3736-CD9E-4977-B565-F503D226D082}" type="slidenum">
+            <a:fld id="{A1CF0604-7B2D-47FA-A15C-325CCBD40563}" type="slidenum">
               <a:rPr b="0" lang="en-GB" sz="1200" spc="-1" strike="noStrike">
                 <a:solidFill>
                   <a:srgbClr val="000000"/>
@@ -916,7 +916,7 @@
         <p:txBody>
           <a:bodyPr/>
           <a:p>
-            <a:fld id="{648414F7-7253-4AD7-B4D9-EB5521211630}" type="slidenum">
+            <a:fld id="{90F13CA4-BEEC-417A-96FD-C33BB1A4E5C9}" type="slidenum">
               <a:t>&lt;#&gt;</a:t>
             </a:fld>
           </a:p>
@@ -1125,7 +1125,7 @@
         <p:txBody>
           <a:bodyPr/>
           <a:p>
-            <a:fld id="{6448FBE0-63C6-47FF-9D37-56EAB3922E40}" type="slidenum">
+            <a:fld id="{FD082A33-A72C-4058-ADEF-7390C0B4EC09}" type="slidenum">
               <a:t>&lt;#&gt;</a:t>
             </a:fld>
           </a:p>
@@ -1420,7 +1420,7 @@
         <p:txBody>
           <a:bodyPr/>
           <a:p>
-            <a:fld id="{29444322-190F-4623-BDDB-FB829D17EE3A}" type="slidenum">
+            <a:fld id="{61B67251-344F-4FE1-A7C1-69B42C58A26C}" type="slidenum">
               <a:t>&lt;#&gt;</a:t>
             </a:fld>
           </a:p>
@@ -1801,7 +1801,7 @@
         <p:txBody>
           <a:bodyPr/>
           <a:p>
-            <a:fld id="{621C705F-2065-4B5E-9EAC-9AFDCB5C42C6}" type="slidenum">
+            <a:fld id="{61888A9F-87B3-44F4-A763-F7C23B6F69FA}" type="slidenum">
               <a:t>&lt;#&gt;</a:t>
             </a:fld>
           </a:p>
@@ -1884,7 +1884,7 @@
         <p:txBody>
           <a:bodyPr/>
           <a:p>
-            <a:fld id="{39ACCD0C-400F-48D5-8F02-4AF486F576CB}" type="slidenum">
+            <a:fld id="{1E64C811-3A26-4B26-947F-68DEA26D2458}" type="slidenum">
               <a:t>&lt;#&gt;</a:t>
             </a:fld>
           </a:p>
@@ -2047,7 +2047,7 @@
         <p:txBody>
           <a:bodyPr/>
           <a:p>
-            <a:fld id="{7C6258AB-AEE1-4455-92F0-7CDDFDC6EEB1}" type="slidenum">
+            <a:fld id="{E315524F-3D61-4B51-88E7-11A05342F3E3}" type="slidenum">
               <a:t>&lt;#&gt;</a:t>
             </a:fld>
           </a:p>
@@ -2213,7 +2213,7 @@
         <p:txBody>
           <a:bodyPr/>
           <a:p>
-            <a:fld id="{21E6F352-902A-4679-AD5F-4678BAFE8FE0}" type="slidenum">
+            <a:fld id="{161CEF79-42E6-4C28-9755-FA7C9DE9A7B6}" type="slidenum">
               <a:t>&lt;#&gt;</a:t>
             </a:fld>
           </a:p>
@@ -2422,7 +2422,7 @@
         <p:txBody>
           <a:bodyPr/>
           <a:p>
-            <a:fld id="{2D43E04C-BC68-467C-A2FC-68B5157CF4FF}" type="slidenum">
+            <a:fld id="{DC433AD6-7679-4B3E-B1D3-337F92015A46}" type="slidenum">
               <a:t>&lt;#&gt;</a:t>
             </a:fld>
           </a:p>
@@ -2545,7 +2545,7 @@
         <p:txBody>
           <a:bodyPr/>
           <a:p>
-            <a:fld id="{5C76A06E-952E-450D-A6C3-751BFE2FC5A2}" type="slidenum">
+            <a:fld id="{A63D2DE2-8BAA-43D9-BF65-95A8D8D2E5C3}" type="slidenum">
               <a:t>&lt;#&gt;</a:t>
             </a:fld>
           </a:p>
@@ -2666,7 +2666,7 @@
         <p:txBody>
           <a:bodyPr/>
           <a:p>
-            <a:fld id="{769B417F-E0C8-450B-8E91-1530FACE846E}" type="slidenum">
+            <a:fld id="{E57698E7-DC57-4BFD-B824-95747C7966FD}" type="slidenum">
               <a:t>&lt;#&gt;</a:t>
             </a:fld>
           </a:p>
@@ -2918,7 +2918,7 @@
         <p:txBody>
           <a:bodyPr/>
           <a:p>
-            <a:fld id="{2D9C42DC-A92E-436A-814E-85F289D4EA5C}" type="slidenum">
+            <a:fld id="{BD1D512B-DFA7-4E2A-965F-8CA1548E3C71}" type="slidenum">
               <a:t>&lt;#&gt;</a:t>
             </a:fld>
           </a:p>
@@ -3081,7 +3081,7 @@
         <p:txBody>
           <a:bodyPr/>
           <a:p>
-            <a:fld id="{DEA0E4C4-D9AB-4258-8220-EF028E419D30}" type="slidenum">
+            <a:fld id="{C15369CC-02AF-4F7B-9D73-177EDA4B6BC6}" type="slidenum">
               <a:t>&lt;#&gt;</a:t>
             </a:fld>
           </a:p>
@@ -3333,7 +3333,7 @@
         <p:txBody>
           <a:bodyPr/>
           <a:p>
-            <a:fld id="{27E93B0F-A529-4C35-85D9-795BCF13F612}" type="slidenum">
+            <a:fld id="{1618DCC0-1959-4FF0-AAF6-BAC16E4173DA}" type="slidenum">
               <a:t>&lt;#&gt;</a:t>
             </a:fld>
           </a:p>
@@ -3585,7 +3585,7 @@
         <p:txBody>
           <a:bodyPr/>
           <a:p>
-            <a:fld id="{6FA6D2C5-6E71-4BF9-A172-942681DE0824}" type="slidenum">
+            <a:fld id="{7C674569-CE14-4000-816F-3D08ACA1A66F}" type="slidenum">
               <a:t>&lt;#&gt;</a:t>
             </a:fld>
           </a:p>
@@ -3794,7 +3794,7 @@
         <p:txBody>
           <a:bodyPr/>
           <a:p>
-            <a:fld id="{E020A7A8-21A2-458D-BC63-D302B7240533}" type="slidenum">
+            <a:fld id="{2F7DF334-5D40-4D62-8800-31E2D4726AE2}" type="slidenum">
               <a:t>&lt;#&gt;</a:t>
             </a:fld>
           </a:p>
@@ -4089,7 +4089,7 @@
         <p:txBody>
           <a:bodyPr/>
           <a:p>
-            <a:fld id="{3504475C-CEBC-4EE1-BCB0-F98D4188F569}" type="slidenum">
+            <a:fld id="{59CBEC47-BF3A-4405-92FB-0E96B62F1FE6}" type="slidenum">
               <a:t>&lt;#&gt;</a:t>
             </a:fld>
           </a:p>
@@ -4470,7 +4470,7 @@
         <p:txBody>
           <a:bodyPr/>
           <a:p>
-            <a:fld id="{A0EDC2DF-4D2F-42AC-858A-A4C574C17D44}" type="slidenum">
+            <a:fld id="{1803925D-90B7-4E11-A5A7-C085FA3221E8}" type="slidenum">
               <a:t>&lt;#&gt;</a:t>
             </a:fld>
           </a:p>
@@ -4553,7 +4553,7 @@
         <p:txBody>
           <a:bodyPr/>
           <a:p>
-            <a:fld id="{B879C814-B9E4-409B-9076-5AEA71B39BCF}" type="slidenum">
+            <a:fld id="{B3CCA656-D8A4-4A8E-9F4D-4B1AA07C93B3}" type="slidenum">
               <a:t>&lt;#&gt;</a:t>
             </a:fld>
           </a:p>
@@ -4716,7 +4716,7 @@
         <p:txBody>
           <a:bodyPr/>
           <a:p>
-            <a:fld id="{5D720F3A-2DE9-4926-946A-C4350324DAAB}" type="slidenum">
+            <a:fld id="{1B676A99-203D-404A-98AA-53763B0BC894}" type="slidenum">
               <a:t>&lt;#&gt;</a:t>
             </a:fld>
           </a:p>
@@ -4882,7 +4882,7 @@
         <p:txBody>
           <a:bodyPr/>
           <a:p>
-            <a:fld id="{2914D3EA-8538-4565-9E9B-FB62A2B7BE5A}" type="slidenum">
+            <a:fld id="{52F57462-96DB-4540-81FF-FC77F78B44F1}" type="slidenum">
               <a:t>&lt;#&gt;</a:t>
             </a:fld>
           </a:p>
@@ -5091,7 +5091,7 @@
         <p:txBody>
           <a:bodyPr/>
           <a:p>
-            <a:fld id="{FFF7EC27-1E86-4E02-8283-56C88A710C56}" type="slidenum">
+            <a:fld id="{AEC6757B-2FBE-4722-91D6-BC57C0E80DED}" type="slidenum">
               <a:t>&lt;#&gt;</a:t>
             </a:fld>
           </a:p>
@@ -5214,7 +5214,7 @@
         <p:txBody>
           <a:bodyPr/>
           <a:p>
-            <a:fld id="{C64C9495-320D-4998-B072-1081B01C5A56}" type="slidenum">
+            <a:fld id="{EE55A7F7-B11F-4BB1-B194-BBCF6B415A1F}" type="slidenum">
               <a:t>&lt;#&gt;</a:t>
             </a:fld>
           </a:p>
@@ -5380,7 +5380,7 @@
         <p:txBody>
           <a:bodyPr/>
           <a:p>
-            <a:fld id="{1467FB15-01F3-4670-AEBE-C29BDD4A0A95}" type="slidenum">
+            <a:fld id="{A79811DD-1319-4A39-B41F-8FEC7B2CC40F}" type="slidenum">
               <a:t>&lt;#&gt;</a:t>
             </a:fld>
           </a:p>
@@ -5501,7 +5501,7 @@
         <p:txBody>
           <a:bodyPr/>
           <a:p>
-            <a:fld id="{221257DF-9DFF-4CBB-B322-F8290B55FA46}" type="slidenum">
+            <a:fld id="{1D6F69B8-2044-4CCA-ADAD-1712ADD486CB}" type="slidenum">
               <a:t>&lt;#&gt;</a:t>
             </a:fld>
           </a:p>
@@ -5753,7 +5753,7 @@
         <p:txBody>
           <a:bodyPr/>
           <a:p>
-            <a:fld id="{B6D95CF2-7A48-4D8E-9C23-3041899933F6}" type="slidenum">
+            <a:fld id="{26E8D527-F563-43B7-BE44-23F2A70ECD0A}" type="slidenum">
               <a:t>&lt;#&gt;</a:t>
             </a:fld>
           </a:p>
@@ -6005,7 +6005,7 @@
         <p:txBody>
           <a:bodyPr/>
           <a:p>
-            <a:fld id="{C8DC9461-36D5-4940-863A-88E30A17298B}" type="slidenum">
+            <a:fld id="{971F6C21-173C-4125-8F98-A3A8D9D2FCFC}" type="slidenum">
               <a:t>&lt;#&gt;</a:t>
             </a:fld>
           </a:p>
@@ -6257,7 +6257,7 @@
         <p:txBody>
           <a:bodyPr/>
           <a:p>
-            <a:fld id="{2F91BC00-394A-450F-ABE8-74511B0AA220}" type="slidenum">
+            <a:fld id="{3FE9F9E4-AE2B-4B46-91A9-A8F7E7A06BC5}" type="slidenum">
               <a:t>&lt;#&gt;</a:t>
             </a:fld>
           </a:p>
@@ -6466,7 +6466,7 @@
         <p:txBody>
           <a:bodyPr/>
           <a:p>
-            <a:fld id="{E02269DD-E16A-412F-9BA2-CBD79F7DFE5D}" type="slidenum">
+            <a:fld id="{52BD3DA7-DD6E-4ECD-8547-A356899AE7C2}" type="slidenum">
               <a:t>&lt;#&gt;</a:t>
             </a:fld>
           </a:p>
@@ -6761,7 +6761,7 @@
         <p:txBody>
           <a:bodyPr/>
           <a:p>
-            <a:fld id="{16D614B1-399F-440E-BF07-B4A6732FF4A6}" type="slidenum">
+            <a:fld id="{8DEEE604-3EFF-4981-866D-022E7DF3D36B}" type="slidenum">
               <a:t>&lt;#&gt;</a:t>
             </a:fld>
           </a:p>
@@ -7142,7 +7142,7 @@
         <p:txBody>
           <a:bodyPr/>
           <a:p>
-            <a:fld id="{B031157E-A2A9-4ADA-85E9-B90550066A92}" type="slidenum">
+            <a:fld id="{9EDBCC6D-7B45-4BD0-862F-7A6FE537C30E}" type="slidenum">
               <a:t>&lt;#&gt;</a:t>
             </a:fld>
           </a:p>
@@ -7225,7 +7225,7 @@
         <p:txBody>
           <a:bodyPr/>
           <a:p>
-            <a:fld id="{ACB5DB20-2459-4C9C-A75D-226271D9C0A0}" type="slidenum">
+            <a:fld id="{0F38C1D6-238D-450F-9AED-6C7A1B655627}" type="slidenum">
               <a:t>&lt;#&gt;</a:t>
             </a:fld>
           </a:p>
@@ -7388,7 +7388,7 @@
         <p:txBody>
           <a:bodyPr/>
           <a:p>
-            <a:fld id="{B2FED926-4FC6-4004-A40D-343963F6F6E5}" type="slidenum">
+            <a:fld id="{1CCE317B-2258-413D-9A5B-B470F3E85CD3}" type="slidenum">
               <a:t>&lt;#&gt;</a:t>
             </a:fld>
           </a:p>
@@ -7554,7 +7554,7 @@
         <p:txBody>
           <a:bodyPr/>
           <a:p>
-            <a:fld id="{8107FE9A-770F-45C9-A41F-C8746E1ADB3F}" type="slidenum">
+            <a:fld id="{43251B18-E78F-44DA-871A-A06ECAEA1812}" type="slidenum">
               <a:t>&lt;#&gt;</a:t>
             </a:fld>
           </a:p>
@@ -7763,7 +7763,7 @@
         <p:txBody>
           <a:bodyPr/>
           <a:p>
-            <a:fld id="{06193CEC-11A8-45A8-90F5-63E9DE068251}" type="slidenum">
+            <a:fld id="{20681BB6-C7BC-41D8-9C26-2F23DEB3BF3C}" type="slidenum">
               <a:t>&lt;#&gt;</a:t>
             </a:fld>
           </a:p>
@@ -7972,7 +7972,7 @@
         <p:txBody>
           <a:bodyPr/>
           <a:p>
-            <a:fld id="{76125759-A6B9-4913-A86F-58D3DF7701E0}" type="slidenum">
+            <a:fld id="{691C4DC1-28E3-4A94-BBB2-FE7AEE059F4C}" type="slidenum">
               <a:t>&lt;#&gt;</a:t>
             </a:fld>
           </a:p>
@@ -8095,7 +8095,7 @@
         <p:txBody>
           <a:bodyPr/>
           <a:p>
-            <a:fld id="{42A82511-5CD0-40D9-8265-F331D0BFA7C3}" type="slidenum">
+            <a:fld id="{9B276504-0FA1-414F-936F-30043AF97782}" type="slidenum">
               <a:t>&lt;#&gt;</a:t>
             </a:fld>
           </a:p>
@@ -8216,7 +8216,7 @@
         <p:txBody>
           <a:bodyPr/>
           <a:p>
-            <a:fld id="{32AEC6EA-8A60-4D89-A28B-79F8772834A5}" type="slidenum">
+            <a:fld id="{252B0CEC-8FFD-4FF3-B778-CF678AB32944}" type="slidenum">
               <a:t>&lt;#&gt;</a:t>
             </a:fld>
           </a:p>
@@ -8468,7 +8468,7 @@
         <p:txBody>
           <a:bodyPr/>
           <a:p>
-            <a:fld id="{7EAA8E10-3F62-4D1D-81D7-2A1054A96E99}" type="slidenum">
+            <a:fld id="{4841F4ED-D98D-4DBC-8BBE-7DE2BCB994FB}" type="slidenum">
               <a:t>&lt;#&gt;</a:t>
             </a:fld>
           </a:p>
@@ -8720,7 +8720,7 @@
         <p:txBody>
           <a:bodyPr/>
           <a:p>
-            <a:fld id="{0FB81247-A9D6-4598-AD8D-2EE0633F22F3}" type="slidenum">
+            <a:fld id="{0059AEB0-EF6A-4585-8C4D-0C18889CCD16}" type="slidenum">
               <a:t>&lt;#&gt;</a:t>
             </a:fld>
           </a:p>
@@ -8972,7 +8972,7 @@
         <p:txBody>
           <a:bodyPr/>
           <a:p>
-            <a:fld id="{C1064321-E3D2-4EB0-AE12-F58CA0ACA32B}" type="slidenum">
+            <a:fld id="{170B2C91-AFBB-445F-B0AA-53D764C57C54}" type="slidenum">
               <a:t>&lt;#&gt;</a:t>
             </a:fld>
           </a:p>
@@ -9181,7 +9181,7 @@
         <p:txBody>
           <a:bodyPr/>
           <a:p>
-            <a:fld id="{E9F98D52-8B1F-47F9-8EE2-365C9EBCB5D7}" type="slidenum">
+            <a:fld id="{45EE133D-E6C0-4CE1-B48C-1B975519DCD6}" type="slidenum">
               <a:t>&lt;#&gt;</a:t>
             </a:fld>
           </a:p>
@@ -9476,7 +9476,7 @@
         <p:txBody>
           <a:bodyPr/>
           <a:p>
-            <a:fld id="{01963FBC-588D-4A3F-9407-36D636366CFC}" type="slidenum">
+            <a:fld id="{569BC1A6-52C1-48A5-B171-2B5FAA618988}" type="slidenum">
               <a:t>&lt;#&gt;</a:t>
             </a:fld>
           </a:p>
@@ -9857,7 +9857,7 @@
         <p:txBody>
           <a:bodyPr/>
           <a:p>
-            <a:fld id="{9BFB9D76-88D9-44FE-A4EF-92696B38A597}" type="slidenum">
+            <a:fld id="{5879B3DD-88A2-4841-8E73-32BC9BCB205F}" type="slidenum">
               <a:t>&lt;#&gt;</a:t>
             </a:fld>
           </a:p>
@@ -9980,7 +9980,7 @@
         <p:txBody>
           <a:bodyPr/>
           <a:p>
-            <a:fld id="{210A7DE0-74AB-4CF0-AEB2-21EB52FA26E0}" type="slidenum">
+            <a:fld id="{FDA03316-1F90-4C41-95E6-0D823626551E}" type="slidenum">
               <a:t>&lt;#&gt;</a:t>
             </a:fld>
           </a:p>
@@ -10101,7 +10101,7 @@
         <p:txBody>
           <a:bodyPr/>
           <a:p>
-            <a:fld id="{7079AACB-F2FE-40B4-90AF-8C684D89673D}" type="slidenum">
+            <a:fld id="{28422568-AA57-4A87-85AA-03D785090A21}" type="slidenum">
               <a:t>&lt;#&gt;</a:t>
             </a:fld>
           </a:p>
@@ -10353,7 +10353,7 @@
         <p:txBody>
           <a:bodyPr/>
           <a:p>
-            <a:fld id="{67D7BEED-07CF-431B-B599-99F91EA43AB5}" type="slidenum">
+            <a:fld id="{90C2CC25-B94C-4F65-B072-DECA2C6FAA5B}" type="slidenum">
               <a:t>&lt;#&gt;</a:t>
             </a:fld>
           </a:p>
@@ -10605,7 +10605,7 @@
         <p:txBody>
           <a:bodyPr/>
           <a:p>
-            <a:fld id="{17D63A03-AC07-4698-9105-1A106B029A63}" type="slidenum">
+            <a:fld id="{B9CAC0EB-B000-45DF-BA2E-1F6BAB23A0FC}" type="slidenum">
               <a:t>&lt;#&gt;</a:t>
             </a:fld>
           </a:p>
@@ -10857,7 +10857,7 @@
         <p:txBody>
           <a:bodyPr/>
           <a:p>
-            <a:fld id="{64816A78-9494-4E37-A49E-5257F1EC2D26}" type="slidenum">
+            <a:fld id="{8B318D7E-0982-4465-98EC-1FAA42FE13B3}" type="slidenum">
               <a:t>&lt;#&gt;</a:t>
             </a:fld>
           </a:p>
@@ -11088,7 +11088,7 @@
                 <a:tab algn="l" pos="0"/>
               </a:tabLst>
             </a:pPr>
-            <a:fld id="{D3507574-49E0-47E0-AE8D-A476060D6CA6}" type="slidenum">
+            <a:fld id="{1907355C-4E03-48B3-8445-E57C29060469}" type="slidenum">
               <a:rPr b="0" lang="en-US" sz="1200" spc="-1" strike="noStrike">
                 <a:solidFill>
                   <a:srgbClr val="ffffff"/>
@@ -11561,7 +11561,7 @@
                 <a:tab algn="l" pos="0"/>
               </a:tabLst>
             </a:pPr>
-            <a:fld id="{198DA8F8-23E9-447C-92FE-2E97EB4A265B}" type="slidenum">
+            <a:fld id="{C9E48964-894E-4037-BE73-450C5B9FF0A0}" type="slidenum">
               <a:rPr b="0" lang="en-US" sz="1200" spc="-1" strike="noStrike">
                 <a:solidFill>
                   <a:srgbClr val="ffffff"/>
@@ -12582,7 +12582,7 @@
                 <a:tab algn="l" pos="0"/>
               </a:tabLst>
             </a:pPr>
-            <a:fld id="{00E365C4-9758-4495-8D51-5E9015F7BB49}" type="slidenum">
+            <a:fld id="{26F1F030-21F5-4D75-8ED6-39FC1FA12080}" type="slidenum">
               <a:rPr b="0" lang="en-US" sz="1200" spc="-1" strike="noStrike">
                 <a:solidFill>
                   <a:srgbClr val="ffffff"/>
@@ -12879,7 +12879,7 @@
                 <a:tab algn="l" pos="0"/>
               </a:tabLst>
             </a:pPr>
-            <a:fld id="{5B1E97DB-D097-48B9-B186-3CCB8F0324FF}" type="slidenum">
+            <a:fld id="{91E440ED-344B-44D8-86CB-2E8430F9FDA5}" type="slidenum">
               <a:rPr b="0" lang="en-US" sz="1200" spc="-1" strike="noStrike">
                 <a:solidFill>
                   <a:srgbClr val="ffffff"/>
@@ -19124,7 +19124,45 @@
                 </a:solidFill>
                 <a:latin typeface="Calibri"/>
               </a:rPr>
-              <a:t>Rather than banning research we think is harmful (Nature Human Behavior 2022 🙄), perhaps it would help to take the perspective above.</a:t>
+              <a:t>Rather than banning research we think is harmful, perhaps it would help to take the perspective above:</a:t>
+            </a:r>
+            <a:endParaRPr b="0" lang="en-GB" sz="2800" spc="-1" strike="noStrike">
+              <a:solidFill>
+                <a:srgbClr val="ffffff"/>
+              </a:solidFill>
+              <a:latin typeface="Arial"/>
+            </a:endParaRPr>
+          </a:p>
+          <a:p>
+            <a:pPr indent="0">
+              <a:lnSpc>
+                <a:spcPct val="90000"/>
+              </a:lnSpc>
+              <a:spcBef>
+                <a:spcPts val="1001"/>
+              </a:spcBef>
+              <a:buNone/>
+              <a:tabLst>
+                <a:tab algn="l" pos="0"/>
+              </a:tabLst>
+            </a:pPr>
+            <a:r>
+              <a:rPr b="0" i="1" lang="en-US" sz="2800" spc="-1" strike="noStrike">
+                <a:solidFill>
+                  <a:srgbClr val="ffffff"/>
+                </a:solidFill>
+                <a:latin typeface="Calibri"/>
+              </a:rPr>
+              <a:t>“</a:t>
+            </a:r>
+            <a:r>
+              <a:rPr b="0" i="1" lang="en-US" sz="2800" spc="-1" strike="noStrike">
+                <a:solidFill>
+                  <a:srgbClr val="ffffff"/>
+                </a:solidFill>
+                <a:latin typeface="Calibri"/>
+              </a:rPr>
+              <a:t>Genes are not special.”</a:t>
             </a:r>
             <a:endParaRPr b="0" lang="en-GB" sz="2800" spc="-1" strike="noStrike">
               <a:solidFill>
